--- a/images/architecture_diagram.pptx
+++ b/images/architecture_diagram.pptx
@@ -14,11 +14,18 @@
   <p:notesSz cx="6858000" cy="9144000"/>
   <p:embeddedFontLst>
     <p:embeddedFont>
-      <p:font typeface="Consolas" panose="020B0609020204030204" pitchFamily="49" charset="0"/>
+      <p:font typeface="Amazon Ember" panose="020B0603020204020204" pitchFamily="34" charset="0"/>
       <p:regular r:id="rId4"/>
       <p:bold r:id="rId5"/>
       <p:italic r:id="rId6"/>
       <p:boldItalic r:id="rId7"/>
+    </p:embeddedFont>
+    <p:embeddedFont>
+      <p:font typeface="Consolas" panose="020B0609020204030204" pitchFamily="49" charset="0"/>
+      <p:regular r:id="rId8"/>
+      <p:bold r:id="rId9"/>
+      <p:italic r:id="rId10"/>
+      <p:boldItalic r:id="rId11"/>
     </p:embeddedFont>
   </p:embeddedFontLst>
   <p:defaultTextStyle>
@@ -5192,7 +5199,7 @@
         <p:spPr>
           <a:xfrm>
             <a:off x="670050" y="271774"/>
-            <a:ext cx="6650696" cy="4768676"/>
+            <a:ext cx="6726926" cy="4768676"/>
           </a:xfrm>
           <a:prstGeom prst="roundRect">
             <a:avLst>
@@ -5465,7 +5472,7 @@
           <a:blip r:embed="rId7">
             <a:extLst>
               <a:ext uri="{96DAC541-7B7A-43D3-8B79-37D633B846F1}">
-                <asvg:svgBlip xmlns:asvg="http://schemas.microsoft.com/office/drawing/2016/SVG/main" r:embed="rId8"/>
+                <asvg:svgBlip xmlns:asvg="http://schemas.microsoft.com/office/drawing/2016/SVG/main" xmlns="" r:embed="rId8"/>
               </a:ext>
             </a:extLst>
           </a:blip>
@@ -5475,7 +5482,7 @@
         </p:blipFill>
         <p:spPr>
           <a:xfrm>
-            <a:off x="6395762" y="8235"/>
+            <a:off x="6283351" y="2015"/>
             <a:ext cx="549549" cy="549549"/>
           </a:xfrm>
           <a:prstGeom prst="rect">
@@ -5559,7 +5566,7 @@
           <a:blip r:embed="rId9">
             <a:extLst>
               <a:ext uri="{96DAC541-7B7A-43D3-8B79-37D633B846F1}">
-                <asvg:svgBlip xmlns:asvg="http://schemas.microsoft.com/office/drawing/2016/SVG/main" r:embed="rId10"/>
+                <asvg:svgBlip xmlns:asvg="http://schemas.microsoft.com/office/drawing/2016/SVG/main" xmlns="" r:embed="rId10"/>
               </a:ext>
             </a:extLst>
           </a:blip>
@@ -6266,8 +6273,8 @@
         </p:nvSpPr>
         <p:spPr>
           <a:xfrm>
-            <a:off x="2913884" y="2038627"/>
-            <a:ext cx="704039" cy="215444"/>
+            <a:off x="2846978" y="2038627"/>
+            <a:ext cx="857927" cy="215444"/>
           </a:xfrm>
           <a:prstGeom prst="rect">
             <a:avLst/>
@@ -6281,7 +6288,9 @@
           <a:lstStyle/>
           <a:p>
             <a:r>
-              <a:rPr lang="en-US" sz="800" dirty="0"/>
+              <a:rPr lang="en-US" sz="800" dirty="0">
+                <a:latin typeface="Consolas" panose="020B0609020204030204" pitchFamily="49" charset="0"/>
+              </a:rPr>
               <a:t>pull metrics</a:t>
             </a:r>
           </a:p>
@@ -6602,8 +6611,8 @@
         </p:nvSpPr>
         <p:spPr>
           <a:xfrm>
-            <a:off x="4879899" y="2034832"/>
-            <a:ext cx="689612" cy="215444"/>
+            <a:off x="4812993" y="2034832"/>
+            <a:ext cx="801823" cy="215444"/>
           </a:xfrm>
           <a:prstGeom prst="rect">
             <a:avLst/>
@@ -6617,7 +6626,9 @@
           <a:lstStyle/>
           <a:p>
             <a:r>
-              <a:rPr lang="en-US" sz="800" dirty="0"/>
+              <a:rPr lang="en-US" sz="800" dirty="0">
+                <a:latin typeface="Consolas" panose="020B0609020204030204" pitchFamily="49" charset="0"/>
+              </a:rPr>
               <a:t>push alerts</a:t>
             </a:r>
           </a:p>
@@ -6974,6 +6985,167 @@
               <a:cs typeface="Consolas"/>
               <a:sym typeface="Consolas"/>
             </a:endParaRPr>
+          </a:p>
+        </p:txBody>
+      </p:sp>
+      <p:sp>
+        <p:nvSpPr>
+          <p:cNvPr id="53" name="TextBox 9">
+            <a:extLst>
+              <a:ext uri="{FF2B5EF4-FFF2-40B4-BE49-F238E27FC236}">
+                <a16:creationId xmlns:a16="http://schemas.microsoft.com/office/drawing/2014/main" id="{5A05B158-B70B-5F4F-B0E2-17894FAAF34C}"/>
+              </a:ext>
+            </a:extLst>
+          </p:cNvPr>
+          <p:cNvSpPr txBox="1">
+            <a:spLocks noChangeArrowheads="1"/>
+          </p:cNvSpPr>
+          <p:nvPr/>
+        </p:nvSpPr>
+        <p:spPr bwMode="auto">
+          <a:xfrm>
+            <a:off x="5633577" y="548361"/>
+            <a:ext cx="1852092" cy="369332"/>
+          </a:xfrm>
+          <a:prstGeom prst="rect">
+            <a:avLst/>
+          </a:prstGeom>
+          <a:noFill/>
+          <a:ln>
+            <a:noFill/>
+          </a:ln>
+          <a:extLst>
+            <a:ext uri="{909E8E84-426E-40DD-AFC4-6F175D3DCCD1}">
+              <a14:hiddenFill xmlns:a14="http://schemas.microsoft.com/office/drawing/2010/main">
+                <a:solidFill>
+                  <a:srgbClr val="FFFFFF"/>
+                </a:solidFill>
+              </a14:hiddenFill>
+            </a:ext>
+            <a:ext uri="{91240B29-F687-4F45-9708-019B960494DF}">
+              <a14:hiddenLine xmlns:a14="http://schemas.microsoft.com/office/drawing/2010/main" w="9525">
+                <a:solidFill>
+                  <a:srgbClr val="000000"/>
+                </a:solidFill>
+                <a:miter lim="800000"/>
+                <a:headEnd/>
+                <a:tailEnd/>
+              </a14:hiddenLine>
+            </a:ext>
+          </a:extLst>
+        </p:spPr>
+        <p:txBody>
+          <a:bodyPr wrap="square">
+            <a:spAutoFit/>
+          </a:bodyPr>
+          <a:lstStyle>
+            <a:lvl1pPr>
+              <a:defRPr>
+                <a:solidFill>
+                  <a:schemeClr val="tx1"/>
+                </a:solidFill>
+                <a:latin typeface="Calibri" panose="020F0502020204030204" pitchFamily="34" charset="0"/>
+              </a:defRPr>
+            </a:lvl1pPr>
+            <a:lvl2pPr marL="742950" indent="-285750">
+              <a:defRPr>
+                <a:solidFill>
+                  <a:schemeClr val="tx1"/>
+                </a:solidFill>
+                <a:latin typeface="Calibri" panose="020F0502020204030204" pitchFamily="34" charset="0"/>
+              </a:defRPr>
+            </a:lvl2pPr>
+            <a:lvl3pPr marL="1143000" indent="-228600">
+              <a:defRPr>
+                <a:solidFill>
+                  <a:schemeClr val="tx1"/>
+                </a:solidFill>
+                <a:latin typeface="Calibri" panose="020F0502020204030204" pitchFamily="34" charset="0"/>
+              </a:defRPr>
+            </a:lvl3pPr>
+            <a:lvl4pPr marL="1600200" indent="-228600">
+              <a:defRPr>
+                <a:solidFill>
+                  <a:schemeClr val="tx1"/>
+                </a:solidFill>
+                <a:latin typeface="Calibri" panose="020F0502020204030204" pitchFamily="34" charset="0"/>
+              </a:defRPr>
+            </a:lvl4pPr>
+            <a:lvl5pPr marL="2057400" indent="-228600">
+              <a:defRPr>
+                <a:solidFill>
+                  <a:schemeClr val="tx1"/>
+                </a:solidFill>
+                <a:latin typeface="Calibri" panose="020F0502020204030204" pitchFamily="34" charset="0"/>
+              </a:defRPr>
+            </a:lvl5pPr>
+            <a:lvl6pPr marL="2514600" indent="-228600" eaLnBrk="0" fontAlgn="base" hangingPunct="0">
+              <a:spcBef>
+                <a:spcPct val="0"/>
+              </a:spcBef>
+              <a:spcAft>
+                <a:spcPct val="0"/>
+              </a:spcAft>
+              <a:defRPr>
+                <a:solidFill>
+                  <a:schemeClr val="tx1"/>
+                </a:solidFill>
+                <a:latin typeface="Calibri" panose="020F0502020204030204" pitchFamily="34" charset="0"/>
+              </a:defRPr>
+            </a:lvl6pPr>
+            <a:lvl7pPr marL="2971800" indent="-228600" eaLnBrk="0" fontAlgn="base" hangingPunct="0">
+              <a:spcBef>
+                <a:spcPct val="0"/>
+              </a:spcBef>
+              <a:spcAft>
+                <a:spcPct val="0"/>
+              </a:spcAft>
+              <a:defRPr>
+                <a:solidFill>
+                  <a:schemeClr val="tx1"/>
+                </a:solidFill>
+                <a:latin typeface="Calibri" panose="020F0502020204030204" pitchFamily="34" charset="0"/>
+              </a:defRPr>
+            </a:lvl7pPr>
+            <a:lvl8pPr marL="3429000" indent="-228600" eaLnBrk="0" fontAlgn="base" hangingPunct="0">
+              <a:spcBef>
+                <a:spcPct val="0"/>
+              </a:spcBef>
+              <a:spcAft>
+                <a:spcPct val="0"/>
+              </a:spcAft>
+              <a:defRPr>
+                <a:solidFill>
+                  <a:schemeClr val="tx1"/>
+                </a:solidFill>
+                <a:latin typeface="Calibri" panose="020F0502020204030204" pitchFamily="34" charset="0"/>
+              </a:defRPr>
+            </a:lvl8pPr>
+            <a:lvl9pPr marL="3886200" indent="-228600" eaLnBrk="0" fontAlgn="base" hangingPunct="0">
+              <a:spcBef>
+                <a:spcPct val="0"/>
+              </a:spcBef>
+              <a:spcAft>
+                <a:spcPct val="0"/>
+              </a:spcAft>
+              <a:defRPr>
+                <a:solidFill>
+                  <a:schemeClr val="tx1"/>
+                </a:solidFill>
+                <a:latin typeface="Calibri" panose="020F0502020204030204" pitchFamily="34" charset="0"/>
+              </a:defRPr>
+            </a:lvl9pPr>
+          </a:lstStyle>
+          <a:p>
+            <a:pPr algn="ctr" eaLnBrk="1" hangingPunct="1"/>
+            <a:r>
+              <a:rPr lang="en-US" altLang="en-US" sz="900" dirty="0">
+                <a:latin typeface="Consolas" panose="020B0609020204030204" pitchFamily="49" charset="0"/>
+                <a:ea typeface="Amazon Ember" panose="020B0603020204020204" pitchFamily="34" charset="0"/>
+                <a:cs typeface="Arial" panose="020B0604020202020204" pitchFamily="34" charset="0"/>
+              </a:rPr>
+              <a:t>Amazon Elastic Kubernetes Service (Amazon EKS)</a:t>
+            </a:r>
           </a:p>
         </p:txBody>
       </p:sp>
